--- a/Граф.pptx
+++ b/Граф.pptx
@@ -289,7 +289,8 @@
           <a:p>
             <a:fld id="{86E78699-5FCF-47DA-A6D1-7EE125935DD2}" type="datetimeFigureOut">
               <a:rPr lang="ru-RU" smtClean="0"/>
-              <a:t>04.10.2016</a:t>
+              <a:pPr/>
+              <a:t>10.10.2016</a:t>
             </a:fld>
             <a:endParaRPr lang="ru-RU"/>
           </a:p>
@@ -331,6 +332,7 @@
           <a:p>
             <a:fld id="{118DAA71-131E-42B1-9EFC-D3A5F2957EA1}" type="slidenum">
               <a:rPr lang="ru-RU" smtClean="0"/>
+              <a:pPr/>
               <a:t>‹#›</a:t>
             </a:fld>
             <a:endParaRPr lang="ru-RU"/>
@@ -454,7 +456,8 @@
           <a:p>
             <a:fld id="{86E78699-5FCF-47DA-A6D1-7EE125935DD2}" type="datetimeFigureOut">
               <a:rPr lang="ru-RU" smtClean="0"/>
-              <a:t>04.10.2016</a:t>
+              <a:pPr/>
+              <a:t>10.10.2016</a:t>
             </a:fld>
             <a:endParaRPr lang="ru-RU"/>
           </a:p>
@@ -496,6 +499,7 @@
           <a:p>
             <a:fld id="{118DAA71-131E-42B1-9EFC-D3A5F2957EA1}" type="slidenum">
               <a:rPr lang="ru-RU" smtClean="0"/>
+              <a:pPr/>
               <a:t>‹#›</a:t>
             </a:fld>
             <a:endParaRPr lang="ru-RU"/>
@@ -629,7 +633,8 @@
           <a:p>
             <a:fld id="{86E78699-5FCF-47DA-A6D1-7EE125935DD2}" type="datetimeFigureOut">
               <a:rPr lang="ru-RU" smtClean="0"/>
-              <a:t>04.10.2016</a:t>
+              <a:pPr/>
+              <a:t>10.10.2016</a:t>
             </a:fld>
             <a:endParaRPr lang="ru-RU"/>
           </a:p>
@@ -671,6 +676,7 @@
           <a:p>
             <a:fld id="{118DAA71-131E-42B1-9EFC-D3A5F2957EA1}" type="slidenum">
               <a:rPr lang="ru-RU" smtClean="0"/>
+              <a:pPr/>
               <a:t>‹#›</a:t>
             </a:fld>
             <a:endParaRPr lang="ru-RU"/>
@@ -794,7 +800,8 @@
           <a:p>
             <a:fld id="{86E78699-5FCF-47DA-A6D1-7EE125935DD2}" type="datetimeFigureOut">
               <a:rPr lang="ru-RU" smtClean="0"/>
-              <a:t>04.10.2016</a:t>
+              <a:pPr/>
+              <a:t>10.10.2016</a:t>
             </a:fld>
             <a:endParaRPr lang="ru-RU"/>
           </a:p>
@@ -836,6 +843,7 @@
           <a:p>
             <a:fld id="{118DAA71-131E-42B1-9EFC-D3A5F2957EA1}" type="slidenum">
               <a:rPr lang="ru-RU" smtClean="0"/>
+              <a:pPr/>
               <a:t>‹#›</a:t>
             </a:fld>
             <a:endParaRPr lang="ru-RU"/>
@@ -1035,7 +1043,8 @@
           <a:p>
             <a:fld id="{86E78699-5FCF-47DA-A6D1-7EE125935DD2}" type="datetimeFigureOut">
               <a:rPr lang="ru-RU" smtClean="0"/>
-              <a:t>04.10.2016</a:t>
+              <a:pPr/>
+              <a:t>10.10.2016</a:t>
             </a:fld>
             <a:endParaRPr lang="ru-RU"/>
           </a:p>
@@ -1077,6 +1086,7 @@
           <a:p>
             <a:fld id="{118DAA71-131E-42B1-9EFC-D3A5F2957EA1}" type="slidenum">
               <a:rPr lang="ru-RU" smtClean="0"/>
+              <a:pPr/>
               <a:t>‹#›</a:t>
             </a:fld>
             <a:endParaRPr lang="ru-RU"/>
@@ -1318,7 +1328,8 @@
           <a:p>
             <a:fld id="{86E78699-5FCF-47DA-A6D1-7EE125935DD2}" type="datetimeFigureOut">
               <a:rPr lang="ru-RU" smtClean="0"/>
-              <a:t>04.10.2016</a:t>
+              <a:pPr/>
+              <a:t>10.10.2016</a:t>
             </a:fld>
             <a:endParaRPr lang="ru-RU"/>
           </a:p>
@@ -1360,6 +1371,7 @@
           <a:p>
             <a:fld id="{118DAA71-131E-42B1-9EFC-D3A5F2957EA1}" type="slidenum">
               <a:rPr lang="ru-RU" smtClean="0"/>
+              <a:pPr/>
               <a:t>‹#›</a:t>
             </a:fld>
             <a:endParaRPr lang="ru-RU"/>
@@ -1735,7 +1747,8 @@
           <a:p>
             <a:fld id="{86E78699-5FCF-47DA-A6D1-7EE125935DD2}" type="datetimeFigureOut">
               <a:rPr lang="ru-RU" smtClean="0"/>
-              <a:t>04.10.2016</a:t>
+              <a:pPr/>
+              <a:t>10.10.2016</a:t>
             </a:fld>
             <a:endParaRPr lang="ru-RU"/>
           </a:p>
@@ -1777,6 +1790,7 @@
           <a:p>
             <a:fld id="{118DAA71-131E-42B1-9EFC-D3A5F2957EA1}" type="slidenum">
               <a:rPr lang="ru-RU" smtClean="0"/>
+              <a:pPr/>
               <a:t>‹#›</a:t>
             </a:fld>
             <a:endParaRPr lang="ru-RU"/>
@@ -1848,7 +1862,8 @@
           <a:p>
             <a:fld id="{86E78699-5FCF-47DA-A6D1-7EE125935DD2}" type="datetimeFigureOut">
               <a:rPr lang="ru-RU" smtClean="0"/>
-              <a:t>04.10.2016</a:t>
+              <a:pPr/>
+              <a:t>10.10.2016</a:t>
             </a:fld>
             <a:endParaRPr lang="ru-RU"/>
           </a:p>
@@ -1890,6 +1905,7 @@
           <a:p>
             <a:fld id="{118DAA71-131E-42B1-9EFC-D3A5F2957EA1}" type="slidenum">
               <a:rPr lang="ru-RU" smtClean="0"/>
+              <a:pPr/>
               <a:t>‹#›</a:t>
             </a:fld>
             <a:endParaRPr lang="ru-RU"/>
@@ -1938,7 +1954,8 @@
           <a:p>
             <a:fld id="{86E78699-5FCF-47DA-A6D1-7EE125935DD2}" type="datetimeFigureOut">
               <a:rPr lang="ru-RU" smtClean="0"/>
-              <a:t>04.10.2016</a:t>
+              <a:pPr/>
+              <a:t>10.10.2016</a:t>
             </a:fld>
             <a:endParaRPr lang="ru-RU"/>
           </a:p>
@@ -1980,6 +1997,7 @@
           <a:p>
             <a:fld id="{118DAA71-131E-42B1-9EFC-D3A5F2957EA1}" type="slidenum">
               <a:rPr lang="ru-RU" smtClean="0"/>
+              <a:pPr/>
               <a:t>‹#›</a:t>
             </a:fld>
             <a:endParaRPr lang="ru-RU"/>
@@ -2210,7 +2228,8 @@
           <a:p>
             <a:fld id="{86E78699-5FCF-47DA-A6D1-7EE125935DD2}" type="datetimeFigureOut">
               <a:rPr lang="ru-RU" smtClean="0"/>
-              <a:t>04.10.2016</a:t>
+              <a:pPr/>
+              <a:t>10.10.2016</a:t>
             </a:fld>
             <a:endParaRPr lang="ru-RU"/>
           </a:p>
@@ -2252,6 +2271,7 @@
           <a:p>
             <a:fld id="{118DAA71-131E-42B1-9EFC-D3A5F2957EA1}" type="slidenum">
               <a:rPr lang="ru-RU" smtClean="0"/>
+              <a:pPr/>
               <a:t>‹#›</a:t>
             </a:fld>
             <a:endParaRPr lang="ru-RU"/>
@@ -2458,7 +2478,8 @@
           <a:p>
             <a:fld id="{86E78699-5FCF-47DA-A6D1-7EE125935DD2}" type="datetimeFigureOut">
               <a:rPr lang="ru-RU" smtClean="0"/>
-              <a:t>04.10.2016</a:t>
+              <a:pPr/>
+              <a:t>10.10.2016</a:t>
             </a:fld>
             <a:endParaRPr lang="ru-RU"/>
           </a:p>
@@ -2500,6 +2521,7 @@
           <a:p>
             <a:fld id="{118DAA71-131E-42B1-9EFC-D3A5F2957EA1}" type="slidenum">
               <a:rPr lang="ru-RU" smtClean="0"/>
+              <a:pPr/>
               <a:t>‹#›</a:t>
             </a:fld>
             <a:endParaRPr lang="ru-RU"/>
@@ -2666,7 +2688,8 @@
           <a:p>
             <a:fld id="{86E78699-5FCF-47DA-A6D1-7EE125935DD2}" type="datetimeFigureOut">
               <a:rPr lang="ru-RU" smtClean="0"/>
-              <a:t>04.10.2016</a:t>
+              <a:pPr/>
+              <a:t>10.10.2016</a:t>
             </a:fld>
             <a:endParaRPr lang="ru-RU"/>
           </a:p>
@@ -2744,6 +2767,7 @@
           <a:p>
             <a:fld id="{118DAA71-131E-42B1-9EFC-D3A5F2957EA1}" type="slidenum">
               <a:rPr lang="ru-RU" smtClean="0"/>
+              <a:pPr/>
               <a:t>‹#›</a:t>
             </a:fld>
             <a:endParaRPr lang="ru-RU"/>
@@ -4857,8 +4881,8 @@
         </p:nvSpPr>
         <p:spPr>
           <a:xfrm>
-            <a:off x="6660232" y="5301208"/>
-            <a:ext cx="1153969" cy="369332"/>
+            <a:off x="6586493" y="5301208"/>
+            <a:ext cx="1227708" cy="369332"/>
           </a:xfrm>
           <a:prstGeom prst="rect">
             <a:avLst/>
@@ -4872,17 +4896,55 @@
           <a:p>
             <a:pPr algn="r"/>
             <a:r>
-              <a:rPr lang="en-US" dirty="0" smtClean="0">
+              <a:rPr lang="en-US" b="1" spc="50" dirty="0" smtClean="0">
+                <a:ln w="12700" cmpd="sng">
+                  <a:solidFill>
+                    <a:schemeClr val="accent6">
+                      <a:satMod val="120000"/>
+                      <a:shade val="80000"/>
+                    </a:schemeClr>
+                  </a:solidFill>
+                  <a:prstDash val="solid"/>
+                </a:ln>
                 <a:solidFill>
-                  <a:schemeClr val="bg1"/>
+                  <a:schemeClr val="accent6">
+                    <a:tint val="1000"/>
+                  </a:schemeClr>
                 </a:solidFill>
+                <a:effectLst>
+                  <a:glow rad="53100">
+                    <a:schemeClr val="accent6">
+                      <a:satMod val="180000"/>
+                      <a:alpha val="30000"/>
+                    </a:schemeClr>
+                  </a:glow>
+                </a:effectLst>
               </a:rPr>
               <a:t>In Combat</a:t>
             </a:r>
-            <a:endParaRPr lang="ru-RU" dirty="0">
+            <a:endParaRPr lang="ru-RU" b="1" spc="50" dirty="0">
+              <a:ln w="12700" cmpd="sng">
+                <a:solidFill>
+                  <a:schemeClr val="accent6">
+                    <a:satMod val="120000"/>
+                    <a:shade val="80000"/>
+                  </a:schemeClr>
+                </a:solidFill>
+                <a:prstDash val="solid"/>
+              </a:ln>
               <a:solidFill>
-                <a:schemeClr val="bg1"/>
+                <a:schemeClr val="accent6">
+                  <a:tint val="1000"/>
+                </a:schemeClr>
               </a:solidFill>
+              <a:effectLst>
+                <a:glow rad="53100">
+                  <a:schemeClr val="accent6">
+                    <a:satMod val="180000"/>
+                    <a:alpha val="30000"/>
+                  </a:schemeClr>
+                </a:glow>
+              </a:effectLst>
             </a:endParaRPr>
           </a:p>
         </p:txBody>
